--- a/Doc/Presentation/講義形式/①準備.pptx
+++ b/Doc/Presentation/講義形式/①準備.pptx
@@ -5,20 +5,22 @@
     <p:sldMasterId id="2147483697" r:id="rId1"/>
   </p:sldMasterIdLst>
   <p:notesMasterIdLst>
-    <p:notesMasterId r:id="rId10"/>
+    <p:notesMasterId r:id="rId12"/>
   </p:notesMasterIdLst>
   <p:handoutMasterIdLst>
-    <p:handoutMasterId r:id="rId11"/>
+    <p:handoutMasterId r:id="rId13"/>
   </p:handoutMasterIdLst>
   <p:sldIdLst>
     <p:sldId id="380" r:id="rId2"/>
-    <p:sldId id="406" r:id="rId3"/>
-    <p:sldId id="407" r:id="rId4"/>
+    <p:sldId id="407" r:id="rId3"/>
+    <p:sldId id="406" r:id="rId4"/>
     <p:sldId id="405" r:id="rId5"/>
     <p:sldId id="402" r:id="rId6"/>
     <p:sldId id="403" r:id="rId7"/>
     <p:sldId id="404" r:id="rId8"/>
-    <p:sldId id="401" r:id="rId9"/>
+    <p:sldId id="410" r:id="rId9"/>
+    <p:sldId id="409" r:id="rId10"/>
+    <p:sldId id="401" r:id="rId11"/>
   </p:sldIdLst>
   <p:sldSz cx="9144000" cy="5143500" type="screen16x9"/>
   <p:notesSz cx="6742113" cy="9872663"/>
@@ -157,7 +159,7 @@
 <file path=ppt/revisionInfo.xml><?xml version="1.0" encoding="utf-8"?>
 <p1510:revInfo xmlns:a="http://schemas.openxmlformats.org/drawingml/2006/main" xmlns:r="http://schemas.openxmlformats.org/officeDocument/2006/relationships" xmlns:p1510="http://schemas.microsoft.com/office/powerpoint/2015/10/main">
   <p1510:revLst>
-    <p1510:client id="{08271D57-F6D4-4998-905F-8D57F30C8D7C}" v="37" dt="2024-04-15T01:24:33.001"/>
+    <p1510:client id="{9FB3F078-FED4-43B4-99B8-4CF7EE0A562F}" v="94" dt="2024-06-05T01:47:31.216"/>
   </p1510:revLst>
 </p1510:revInfo>
 </file>
@@ -590,6 +592,153 @@
     </pc:docChg>
   </pc:docChgLst>
   <pc:docChgLst>
+    <pc:chgData name="り ぶ" userId="e79b0678f96bfbc0" providerId="LiveId" clId="{9FB3F078-FED4-43B4-99B8-4CF7EE0A562F}"/>
+    <pc:docChg chg="undo custSel addSld delSld modSld sldOrd">
+      <pc:chgData name="り ぶ" userId="e79b0678f96bfbc0" providerId="LiveId" clId="{9FB3F078-FED4-43B4-99B8-4CF7EE0A562F}" dt="2024-06-05T01:47:31.210" v="1502"/>
+      <pc:docMkLst>
+        <pc:docMk/>
+      </pc:docMkLst>
+      <pc:sldChg chg="modSp mod">
+        <pc:chgData name="り ぶ" userId="e79b0678f96bfbc0" providerId="LiveId" clId="{9FB3F078-FED4-43B4-99B8-4CF7EE0A562F}" dt="2024-06-05T01:37:26.059" v="563" actId="1076"/>
+        <pc:sldMkLst>
+          <pc:docMk/>
+          <pc:sldMk cId="2437650063" sldId="404"/>
+        </pc:sldMkLst>
+        <pc:spChg chg="mod">
+          <ac:chgData name="り ぶ" userId="e79b0678f96bfbc0" providerId="LiveId" clId="{9FB3F078-FED4-43B4-99B8-4CF7EE0A562F}" dt="2024-06-05T01:37:26.059" v="563" actId="1076"/>
+          <ac:spMkLst>
+            <pc:docMk/>
+            <pc:sldMk cId="2437650063" sldId="404"/>
+            <ac:spMk id="6" creationId="{33AC9AA4-E5E4-B32D-F312-D507BEB1D648}"/>
+          </ac:spMkLst>
+        </pc:spChg>
+      </pc:sldChg>
+      <pc:sldChg chg="modSp mod">
+        <pc:chgData name="り ぶ" userId="e79b0678f96bfbc0" providerId="LiveId" clId="{9FB3F078-FED4-43B4-99B8-4CF7EE0A562F}" dt="2024-06-05T01:47:31.210" v="1502"/>
+        <pc:sldMkLst>
+          <pc:docMk/>
+          <pc:sldMk cId="3500556462" sldId="406"/>
+        </pc:sldMkLst>
+        <pc:spChg chg="mod">
+          <ac:chgData name="り ぶ" userId="e79b0678f96bfbc0" providerId="LiveId" clId="{9FB3F078-FED4-43B4-99B8-4CF7EE0A562F}" dt="2024-06-05T01:46:49.435" v="1465"/>
+          <ac:spMkLst>
+            <pc:docMk/>
+            <pc:sldMk cId="3500556462" sldId="406"/>
+            <ac:spMk id="2" creationId="{65058C79-CAB7-443F-3631-6DCDFE24DF0F}"/>
+          </ac:spMkLst>
+        </pc:spChg>
+        <pc:spChg chg="mod">
+          <ac:chgData name="り ぶ" userId="e79b0678f96bfbc0" providerId="LiveId" clId="{9FB3F078-FED4-43B4-99B8-4CF7EE0A562F}" dt="2024-06-05T01:47:31.210" v="1502"/>
+          <ac:spMkLst>
+            <pc:docMk/>
+            <pc:sldMk cId="3500556462" sldId="406"/>
+            <ac:spMk id="3" creationId="{E9AA6CD7-2FB7-BB25-4162-D74B592E374A}"/>
+          </ac:spMkLst>
+        </pc:spChg>
+      </pc:sldChg>
+      <pc:sldChg chg="modSp mod ord">
+        <pc:chgData name="り ぶ" userId="e79b0678f96bfbc0" providerId="LiveId" clId="{9FB3F078-FED4-43B4-99B8-4CF7EE0A562F}" dt="2024-06-05T01:46:35.900" v="1436" actId="15"/>
+        <pc:sldMkLst>
+          <pc:docMk/>
+          <pc:sldMk cId="3265879843" sldId="407"/>
+        </pc:sldMkLst>
+        <pc:spChg chg="mod">
+          <ac:chgData name="り ぶ" userId="e79b0678f96bfbc0" providerId="LiveId" clId="{9FB3F078-FED4-43B4-99B8-4CF7EE0A562F}" dt="2024-06-05T01:43:04.281" v="851"/>
+          <ac:spMkLst>
+            <pc:docMk/>
+            <pc:sldMk cId="3265879843" sldId="407"/>
+            <ac:spMk id="2" creationId="{E31FA5BD-C4BC-7DE4-627D-2ABD14FB2D60}"/>
+          </ac:spMkLst>
+        </pc:spChg>
+        <pc:spChg chg="mod">
+          <ac:chgData name="り ぶ" userId="e79b0678f96bfbc0" providerId="LiveId" clId="{9FB3F078-FED4-43B4-99B8-4CF7EE0A562F}" dt="2024-06-05T01:46:35.900" v="1436" actId="15"/>
+          <ac:spMkLst>
+            <pc:docMk/>
+            <pc:sldMk cId="3265879843" sldId="407"/>
+            <ac:spMk id="3" creationId="{1DDBA7BF-9D30-B82C-5CB4-63869E31D8C1}"/>
+          </ac:spMkLst>
+        </pc:spChg>
+      </pc:sldChg>
+      <pc:sldChg chg="modSp new del mod">
+        <pc:chgData name="り ぶ" userId="e79b0678f96bfbc0" providerId="LiveId" clId="{9FB3F078-FED4-43B4-99B8-4CF7EE0A562F}" dt="2024-06-05T01:38:11.453" v="632" actId="2696"/>
+        <pc:sldMkLst>
+          <pc:docMk/>
+          <pc:sldMk cId="3650555322" sldId="408"/>
+        </pc:sldMkLst>
+        <pc:spChg chg="mod">
+          <ac:chgData name="り ぶ" userId="e79b0678f96bfbc0" providerId="LiveId" clId="{9FB3F078-FED4-43B4-99B8-4CF7EE0A562F}" dt="2024-06-05T01:37:49.657" v="581"/>
+          <ac:spMkLst>
+            <pc:docMk/>
+            <pc:sldMk cId="3650555322" sldId="408"/>
+            <ac:spMk id="2" creationId="{41C94F8A-8E46-AC17-F8F2-56A8E4DEBCBA}"/>
+          </ac:spMkLst>
+        </pc:spChg>
+      </pc:sldChg>
+      <pc:sldChg chg="addSp delSp modSp new mod modClrScheme chgLayout">
+        <pc:chgData name="り ぶ" userId="e79b0678f96bfbc0" providerId="LiveId" clId="{9FB3F078-FED4-43B4-99B8-4CF7EE0A562F}" dt="2024-06-05T01:41:49.745" v="794" actId="20577"/>
+        <pc:sldMkLst>
+          <pc:docMk/>
+          <pc:sldMk cId="4212247442" sldId="409"/>
+        </pc:sldMkLst>
+        <pc:spChg chg="mod ord">
+          <ac:chgData name="り ぶ" userId="e79b0678f96bfbc0" providerId="LiveId" clId="{9FB3F078-FED4-43B4-99B8-4CF7EE0A562F}" dt="2024-06-05T01:41:20.588" v="692" actId="700"/>
+          <ac:spMkLst>
+            <pc:docMk/>
+            <pc:sldMk cId="4212247442" sldId="409"/>
+            <ac:spMk id="2" creationId="{82DE4D54-C2E6-A3B4-61E1-79E2E8DFE896}"/>
+          </ac:spMkLst>
+        </pc:spChg>
+        <pc:spChg chg="add del mod">
+          <ac:chgData name="り ぶ" userId="e79b0678f96bfbc0" providerId="LiveId" clId="{9FB3F078-FED4-43B4-99B8-4CF7EE0A562F}" dt="2024-06-05T01:40:57.748" v="688" actId="21"/>
+          <ac:spMkLst>
+            <pc:docMk/>
+            <pc:sldMk cId="4212247442" sldId="409"/>
+            <ac:spMk id="3" creationId="{253B42F0-90D0-8D8A-E5F5-2CF0E0624993}"/>
+          </ac:spMkLst>
+        </pc:spChg>
+        <pc:spChg chg="add mod ord">
+          <ac:chgData name="り ぶ" userId="e79b0678f96bfbc0" providerId="LiveId" clId="{9FB3F078-FED4-43B4-99B8-4CF7EE0A562F}" dt="2024-06-05T01:41:49.745" v="794" actId="20577"/>
+          <ac:spMkLst>
+            <pc:docMk/>
+            <pc:sldMk cId="4212247442" sldId="409"/>
+            <ac:spMk id="6" creationId="{64037208-973A-450E-9C9F-69C341CF2C7C}"/>
+          </ac:spMkLst>
+        </pc:spChg>
+        <pc:picChg chg="add mod">
+          <ac:chgData name="り ぶ" userId="e79b0678f96bfbc0" providerId="LiveId" clId="{9FB3F078-FED4-43B4-99B8-4CF7EE0A562F}" dt="2024-06-05T01:41:17.004" v="691" actId="1076"/>
+          <ac:picMkLst>
+            <pc:docMk/>
+            <pc:sldMk cId="4212247442" sldId="409"/>
+            <ac:picMk id="5" creationId="{58A7A9F8-A98B-A1BA-2618-FC8552EA62D7}"/>
+          </ac:picMkLst>
+        </pc:picChg>
+      </pc:sldChg>
+      <pc:sldChg chg="modSp new mod">
+        <pc:chgData name="り ぶ" userId="e79b0678f96bfbc0" providerId="LiveId" clId="{9FB3F078-FED4-43B4-99B8-4CF7EE0A562F}" dt="2024-06-05T01:40:48.906" v="686"/>
+        <pc:sldMkLst>
+          <pc:docMk/>
+          <pc:sldMk cId="1799549033" sldId="410"/>
+        </pc:sldMkLst>
+        <pc:spChg chg="mod">
+          <ac:chgData name="り ぶ" userId="e79b0678f96bfbc0" providerId="LiveId" clId="{9FB3F078-FED4-43B4-99B8-4CF7EE0A562F}" dt="2024-06-05T01:40:48.906" v="686"/>
+          <ac:spMkLst>
+            <pc:docMk/>
+            <pc:sldMk cId="1799549033" sldId="410"/>
+            <ac:spMk id="2" creationId="{DCEEC604-0447-B7DF-5E6E-96A339832D5E}"/>
+          </ac:spMkLst>
+        </pc:spChg>
+        <pc:spChg chg="mod">
+          <ac:chgData name="り ぶ" userId="e79b0678f96bfbc0" providerId="LiveId" clId="{9FB3F078-FED4-43B4-99B8-4CF7EE0A562F}" dt="2024-06-05T01:40:45.842" v="674"/>
+          <ac:spMkLst>
+            <pc:docMk/>
+            <pc:sldMk cId="1799549033" sldId="410"/>
+            <ac:spMk id="3" creationId="{29C35845-7973-C374-AC0D-0972A95C8F47}"/>
+          </ac:spMkLst>
+        </pc:spChg>
+      </pc:sldChg>
+    </pc:docChg>
+  </pc:docChgLst>
+  <pc:docChgLst>
     <pc:chgData name="り ぶ" userId="e79b0678f96bfbc0" providerId="LiveId" clId="{08271D57-F6D4-4998-905F-8D57F30C8D7C}"/>
     <pc:docChg chg="addSld modSld">
       <pc:chgData name="り ぶ" userId="e79b0678f96bfbc0" providerId="LiveId" clId="{08271D57-F6D4-4998-905F-8D57F30C8D7C}" dt="2024-04-15T01:24:33.001" v="517"/>
@@ -696,7 +845,7 @@
           <a:p>
             <a:fld id="{389ACFA8-1AB5-47AD-8712-789ED582E266}" type="datetimeFigureOut">
               <a:rPr kumimoji="1" lang="ja-JP" altLang="en-US" smtClean="0"/>
-              <a:t>2024/4/15</a:t>
+              <a:t>2024/6/5</a:t>
             </a:fld>
             <a:endParaRPr kumimoji="1" lang="ja-JP" altLang="en-US"/>
           </a:p>
@@ -825,7 +974,7 @@
             <a:fld id="{49E156C8-D1E6-4437-B817-0C57EC289493}" type="datetimeFigureOut">
               <a:rPr kumimoji="1" lang="ja-JP" altLang="en-US" smtClean="0"/>
               <a:pPr/>
-              <a:t>2024/4/15</a:t>
+              <a:t>2024/6/5</a:t>
             </a:fld>
             <a:endParaRPr kumimoji="1" lang="ja-JP" altLang="en-US"/>
           </a:p>
@@ -1245,7 +1394,7 @@
     </p:spTree>
     <p:extLst>
       <p:ext uri="{BB962C8B-B14F-4D97-AF65-F5344CB8AC3E}">
-        <p14:creationId xmlns:p14="http://schemas.microsoft.com/office/powerpoint/2010/main" val="915716211"/>
+        <p14:creationId xmlns:p14="http://schemas.microsoft.com/office/powerpoint/2010/main" val="2902352728"/>
       </p:ext>
     </p:extLst>
   </p:cSld>
@@ -1330,7 +1479,7 @@
     </p:spTree>
     <p:extLst>
       <p:ext uri="{BB962C8B-B14F-4D97-AF65-F5344CB8AC3E}">
-        <p14:creationId xmlns:p14="http://schemas.microsoft.com/office/powerpoint/2010/main" val="2902352728"/>
+        <p14:creationId xmlns:p14="http://schemas.microsoft.com/office/powerpoint/2010/main" val="915716211"/>
       </p:ext>
     </p:extLst>
   </p:cSld>
@@ -3682,6 +3831,36 @@
 </p:sld>
 </file>
 
+<file path=ppt/slides/slide10.xml><?xml version="1.0" encoding="utf-8"?>
+<p:sld xmlns:a="http://schemas.openxmlformats.org/drawingml/2006/main" xmlns:r="http://schemas.openxmlformats.org/officeDocument/2006/relationships" xmlns:p="http://schemas.openxmlformats.org/presentationml/2006/main">
+  <p:cSld>
+    <p:spTree>
+      <p:nvGrpSpPr>
+        <p:cNvPr id="1" name=""/>
+        <p:cNvGrpSpPr/>
+        <p:nvPr/>
+      </p:nvGrpSpPr>
+      <p:grpSpPr>
+        <a:xfrm>
+          <a:off x="0" y="0"/>
+          <a:ext cx="0" cy="0"/>
+          <a:chOff x="0" y="0"/>
+          <a:chExt cx="0" cy="0"/>
+        </a:xfrm>
+      </p:grpSpPr>
+    </p:spTree>
+    <p:extLst>
+      <p:ext uri="{BB962C8B-B14F-4D97-AF65-F5344CB8AC3E}">
+        <p14:creationId xmlns:p14="http://schemas.microsoft.com/office/powerpoint/2010/main" val="1993734482"/>
+      </p:ext>
+    </p:extLst>
+  </p:cSld>
+  <p:clrMapOvr>
+    <a:masterClrMapping/>
+  </p:clrMapOvr>
+</p:sld>
+</file>
+
 <file path=ppt/slides/slide2.xml><?xml version="1.0" encoding="utf-8"?>
 <p:sld xmlns:a="http://schemas.openxmlformats.org/drawingml/2006/main" xmlns:r="http://schemas.openxmlformats.org/officeDocument/2006/relationships" xmlns:p="http://schemas.openxmlformats.org/presentationml/2006/main">
   <p:cSld>
@@ -3704,7 +3883,7 @@
           <p:cNvPr id="2" name="タイトル 1">
             <a:extLst>
               <a:ext uri="{FF2B5EF4-FFF2-40B4-BE49-F238E27FC236}">
-                <a16:creationId xmlns:a16="http://schemas.microsoft.com/office/drawing/2014/main" id="{65058C79-CAB7-443F-3631-6DCDFE24DF0F}"/>
+                <a16:creationId xmlns:a16="http://schemas.microsoft.com/office/drawing/2014/main" id="{E31FA5BD-C4BC-7DE4-627D-2ABD14FB2D60}"/>
               </a:ext>
             </a:extLst>
           </p:cNvPr>
@@ -3721,12 +3900,16 @@
           <a:lstStyle/>
           <a:p>
             <a:r>
-              <a:rPr lang="ja-JP" altLang="en-US" dirty="0"/>
-              <a:t>今回，何を</a:t>
-            </a:r>
-            <a:r>
               <a:rPr kumimoji="1" lang="ja-JP" altLang="en-US" dirty="0"/>
-              <a:t>行うか</a:t>
+              <a:t>本日の内容 </a:t>
+            </a:r>
+            <a:r>
+              <a:rPr kumimoji="1" lang="en-US" altLang="ja-JP" dirty="0"/>
+              <a:t>: IoT</a:t>
+            </a:r>
+            <a:r>
+              <a:rPr kumimoji="1" lang="ja-JP" altLang="en-US" dirty="0"/>
+              <a:t>用センサ端末の開発</a:t>
             </a:r>
           </a:p>
         </p:txBody>
@@ -3736,7 +3919,7 @@
           <p:cNvPr id="3" name="コンテンツ プレースホルダー 2">
             <a:extLst>
               <a:ext uri="{FF2B5EF4-FFF2-40B4-BE49-F238E27FC236}">
-                <a16:creationId xmlns:a16="http://schemas.microsoft.com/office/drawing/2014/main" id="{E9AA6CD7-2FB7-BB25-4162-D74B592E374A}"/>
+                <a16:creationId xmlns:a16="http://schemas.microsoft.com/office/drawing/2014/main" id="{1DDBA7BF-9D30-B82C-5CB4-63869E31D8C1}"/>
               </a:ext>
             </a:extLst>
           </p:cNvPr>
@@ -3749,177 +3932,96 @@
         </p:nvSpPr>
         <p:spPr/>
         <p:txBody>
-          <a:bodyPr/>
+          <a:bodyPr>
+            <a:normAutofit fontScale="92500" lnSpcReduction="10000"/>
+          </a:bodyPr>
           <a:lstStyle/>
           <a:p>
-            <a:pPr marL="457200" indent="-457200">
-              <a:buFont typeface="+mj-ea"/>
-              <a:buAutoNum type="circleNumDbPlain"/>
-            </a:pPr>
-            <a:r>
-              <a:rPr kumimoji="1" lang="ja-JP" altLang="en-US" dirty="0"/>
-              <a:t>講義形式で，マイコンや</a:t>
-            </a:r>
-            <a:r>
-              <a:rPr kumimoji="1" lang="en-US" altLang="ja-JP" dirty="0"/>
+            <a:r>
+              <a:rPr lang="ja-JP" altLang="en-US" dirty="0"/>
+              <a:t>目的</a:t>
+            </a:r>
+            <a:endParaRPr lang="en-US" altLang="ja-JP" dirty="0"/>
+          </a:p>
+          <a:p>
+            <a:pPr lvl="1"/>
+            <a:r>
+              <a:rPr lang="en-US" altLang="ja-JP" dirty="0"/>
               <a:t>IoT</a:t>
             </a:r>
             <a:r>
-              <a:rPr kumimoji="1" lang="ja-JP" altLang="en-US" dirty="0"/>
-              <a:t>端末についての解説</a:t>
-            </a:r>
-            <a:endParaRPr kumimoji="1" lang="en-US" altLang="ja-JP" dirty="0"/>
-          </a:p>
-          <a:p>
-            <a:pPr marL="457200" indent="-457200">
-              <a:buFont typeface="+mj-ea"/>
-              <a:buAutoNum type="circleNumDbPlain"/>
-            </a:pPr>
-            <a:r>
-              <a:rPr lang="en-US" altLang="ja-JP" dirty="0"/>
-              <a:t>Arduino(</a:t>
-            </a:r>
-            <a:r>
               <a:rPr lang="ja-JP" altLang="en-US" dirty="0"/>
-              <a:t>マイコンの一種</a:t>
-            </a:r>
-            <a:r>
-              <a:rPr lang="en-US" altLang="ja-JP" dirty="0"/>
-              <a:t>)</a:t>
-            </a:r>
+              <a:t>用センサ端末を簡単に作れる環境を使った場合に，非専門家がどの程度の時間でできるようになるかを調べる</a:t>
+            </a:r>
+            <a:endParaRPr lang="en-US" altLang="ja-JP" dirty="0"/>
+          </a:p>
+          <a:p>
+            <a:pPr lvl="2"/>
+            <a:endParaRPr lang="en-US" altLang="ja-JP" dirty="0"/>
+          </a:p>
+          <a:p>
             <a:r>
               <a:rPr lang="ja-JP" altLang="en-US" dirty="0"/>
-              <a:t>のソフトウェアを開発するために必要な各種ソフトウェアのインストール</a:t>
+              <a:t>調査内容</a:t>
             </a:r>
             <a:endParaRPr lang="en-US" altLang="ja-JP" dirty="0"/>
           </a:p>
           <a:p>
-            <a:pPr marL="457200" indent="-457200">
-              <a:buFont typeface="+mj-ea"/>
-              <a:buAutoNum type="circleNumDbPlain"/>
-            </a:pPr>
-            <a:r>
-              <a:rPr kumimoji="1" lang="en-US" altLang="ja-JP" dirty="0"/>
-              <a:t>Arduino</a:t>
-            </a:r>
-            <a:r>
-              <a:rPr kumimoji="1" lang="ja-JP" altLang="en-US" dirty="0"/>
-              <a:t>用ソフトウェアを自動で生成する開発環境の使い方説明</a:t>
-            </a:r>
-            <a:endParaRPr kumimoji="1" lang="en-US" altLang="ja-JP" dirty="0"/>
-          </a:p>
-          <a:p>
-            <a:pPr marL="457200" indent="-457200">
-              <a:buFont typeface="+mj-ea"/>
-              <a:buAutoNum type="circleNumDbPlain"/>
-            </a:pPr>
-            <a:r>
-              <a:rPr kumimoji="1" lang="ja-JP" altLang="en-US" dirty="0"/>
-              <a:t>実際に</a:t>
-            </a:r>
-            <a:r>
-              <a:rPr kumimoji="1" lang="en-US" altLang="ja-JP" dirty="0"/>
-              <a:t>IoT</a:t>
-            </a:r>
-            <a:r>
-              <a:rPr kumimoji="1" lang="ja-JP" altLang="en-US" dirty="0"/>
-              <a:t>用センサ端末を開発し，動作させる</a:t>
-            </a:r>
-            <a:endParaRPr kumimoji="1" lang="en-US" altLang="ja-JP" dirty="0"/>
-          </a:p>
-          <a:p>
             <a:pPr lvl="1"/>
             <a:r>
               <a:rPr lang="ja-JP" altLang="en-US" dirty="0"/>
-              <a:t>目標 </a:t>
-            </a:r>
-            <a:r>
-              <a:rPr lang="en-US" altLang="ja-JP" dirty="0"/>
-              <a:t>: </a:t>
-            </a:r>
+              <a:t>マイコン等に関する講義時間，端末やソフトの作成に要した時間</a:t>
+            </a:r>
+            <a:endParaRPr lang="en-US" altLang="ja-JP" dirty="0"/>
+          </a:p>
+          <a:p>
+            <a:pPr lvl="2"/>
+            <a:endParaRPr lang="en-US" altLang="ja-JP" dirty="0"/>
+          </a:p>
+          <a:p>
             <a:r>
               <a:rPr lang="ja-JP" altLang="en-US" dirty="0"/>
-              <a:t>センサ</a:t>
-            </a:r>
-            <a:r>
-              <a:rPr lang="en-US" altLang="ja-JP" dirty="0"/>
-              <a:t>IC</a:t>
-            </a:r>
+              <a:t>調査方法</a:t>
+            </a:r>
+            <a:endParaRPr lang="en-US" altLang="ja-JP" dirty="0"/>
+          </a:p>
+          <a:p>
+            <a:pPr lvl="1"/>
             <a:r>
               <a:rPr lang="ja-JP" altLang="en-US" dirty="0"/>
-              <a:t>と</a:t>
-            </a:r>
-            <a:r>
-              <a:rPr lang="en-US" altLang="ja-JP" dirty="0"/>
-              <a:t>Arduino</a:t>
-            </a:r>
+              <a:t>オンラインアンケートで使ったセンサの種類や所要時間を入力</a:t>
+            </a:r>
+            <a:endParaRPr lang="en-US" altLang="ja-JP" dirty="0"/>
+          </a:p>
+          <a:p>
+            <a:pPr lvl="2"/>
+            <a:endParaRPr lang="en-US" altLang="ja-JP" dirty="0"/>
+          </a:p>
+          <a:p>
             <a:r>
               <a:rPr lang="ja-JP" altLang="en-US" dirty="0"/>
-              <a:t>との接続方式</a:t>
-            </a:r>
-            <a:r>
-              <a:rPr lang="en-US" altLang="ja-JP" dirty="0"/>
-              <a:t>(</a:t>
-            </a:r>
+              <a:t>追加の着眼点</a:t>
+            </a:r>
+            <a:endParaRPr lang="en-US" altLang="ja-JP" dirty="0"/>
+          </a:p>
+          <a:p>
+            <a:pPr lvl="1"/>
             <a:r>
               <a:rPr lang="ja-JP" altLang="en-US" dirty="0"/>
-              <a:t>インターフェース</a:t>
-            </a:r>
-            <a:r>
-              <a:rPr lang="en-US" altLang="ja-JP" dirty="0"/>
-              <a:t>)</a:t>
-            </a:r>
-            <a:r>
-              <a:rPr lang="ja-JP" altLang="en-US" dirty="0"/>
-              <a:t>の違う</a:t>
-            </a:r>
-            <a:r>
-              <a:rPr lang="en-US" altLang="ja-JP" dirty="0"/>
-              <a:t>3</a:t>
-            </a:r>
-            <a:r>
-              <a:rPr lang="ja-JP" altLang="en-US" dirty="0"/>
-              <a:t>種類</a:t>
+              <a:t>利用するセンサの種類や繰り返し回数による所要時間の変化</a:t>
             </a:r>
             <a:endParaRPr lang="en-US" altLang="ja-JP" dirty="0"/>
           </a:p>
           <a:p>
             <a:pPr lvl="1"/>
-            <a:r>
-              <a:rPr kumimoji="1" lang="ja-JP" altLang="en-US" dirty="0"/>
-              <a:t>余力があれば </a:t>
-            </a:r>
-            <a:r>
-              <a:rPr kumimoji="1" lang="en-US" altLang="ja-JP" dirty="0"/>
-              <a:t>: </a:t>
-            </a:r>
-            <a:r>
-              <a:rPr kumimoji="1" lang="ja-JP" altLang="en-US" dirty="0"/>
-              <a:t>センサの種類</a:t>
-            </a:r>
-            <a:r>
-              <a:rPr kumimoji="1" lang="en-US" altLang="ja-JP" dirty="0"/>
-              <a:t>(</a:t>
-            </a:r>
-            <a:r>
-              <a:rPr kumimoji="1" lang="ja-JP" altLang="en-US" dirty="0"/>
-              <a:t>温度・湿度・明るさ等</a:t>
-            </a:r>
-            <a:r>
-              <a:rPr kumimoji="1" lang="en-US" altLang="ja-JP" dirty="0"/>
-              <a:t>)</a:t>
-            </a:r>
-            <a:r>
-              <a:rPr kumimoji="1" lang="ja-JP" altLang="en-US" dirty="0"/>
-              <a:t>を変えて試す</a:t>
-            </a:r>
+            <a:endParaRPr lang="en-US" altLang="ja-JP" dirty="0"/>
           </a:p>
         </p:txBody>
       </p:sp>
     </p:spTree>
     <p:extLst>
       <p:ext uri="{BB962C8B-B14F-4D97-AF65-F5344CB8AC3E}">
-        <p14:creationId xmlns:p14="http://schemas.microsoft.com/office/powerpoint/2010/main" val="3500556462"/>
+        <p14:creationId xmlns:p14="http://schemas.microsoft.com/office/powerpoint/2010/main" val="3265879843"/>
       </p:ext>
     </p:extLst>
   </p:cSld>
@@ -3951,7 +4053,7 @@
           <p:cNvPr id="2" name="タイトル 1">
             <a:extLst>
               <a:ext uri="{FF2B5EF4-FFF2-40B4-BE49-F238E27FC236}">
-                <a16:creationId xmlns:a16="http://schemas.microsoft.com/office/drawing/2014/main" id="{E31FA5BD-C4BC-7DE4-627D-2ABD14FB2D60}"/>
+                <a16:creationId xmlns:a16="http://schemas.microsoft.com/office/drawing/2014/main" id="{65058C79-CAB7-443F-3631-6DCDFE24DF0F}"/>
               </a:ext>
             </a:extLst>
           </p:cNvPr>
@@ -3968,10 +4070,9 @@
           <a:lstStyle/>
           <a:p>
             <a:r>
-              <a:rPr lang="ja-JP" altLang="en-US"/>
-              <a:t>調査内容</a:t>
-            </a:r>
-            <a:endParaRPr kumimoji="1" lang="ja-JP" altLang="en-US" dirty="0"/>
+              <a:rPr kumimoji="1" lang="ja-JP" altLang="en-US" dirty="0"/>
+              <a:t>具体的な作業</a:t>
+            </a:r>
           </a:p>
         </p:txBody>
       </p:sp>
@@ -3980,7 +4081,7 @@
           <p:cNvPr id="3" name="コンテンツ プレースホルダー 2">
             <a:extLst>
               <a:ext uri="{FF2B5EF4-FFF2-40B4-BE49-F238E27FC236}">
-                <a16:creationId xmlns:a16="http://schemas.microsoft.com/office/drawing/2014/main" id="{1DDBA7BF-9D30-B82C-5CB4-63869E31D8C1}"/>
+                <a16:creationId xmlns:a16="http://schemas.microsoft.com/office/drawing/2014/main" id="{E9AA6CD7-2FB7-BB25-4162-D74B592E374A}"/>
               </a:ext>
             </a:extLst>
           </p:cNvPr>
@@ -3993,22 +4094,185 @@
         </p:nvSpPr>
         <p:spPr/>
         <p:txBody>
-          <a:bodyPr/>
+          <a:bodyPr>
+            <a:normAutofit fontScale="77500" lnSpcReduction="20000"/>
+          </a:bodyPr>
           <a:lstStyle/>
           <a:p>
+            <a:pPr marL="457200" indent="-457200">
+              <a:buFont typeface="+mj-ea"/>
+              <a:buAutoNum type="circleNumDbPlain"/>
+            </a:pPr>
             <a:r>
               <a:rPr lang="ja-JP" altLang="en-US" dirty="0"/>
-              <a:t>講義やソフトのインストールに要した時間</a:t>
+              <a:t>事前</a:t>
+            </a:r>
+            <a:r>
+              <a:rPr kumimoji="1" lang="ja-JP" altLang="en-US" dirty="0"/>
+              <a:t>準備作業 </a:t>
+            </a:r>
+            <a:r>
+              <a:rPr kumimoji="1" lang="en-US" altLang="ja-JP" dirty="0"/>
+              <a:t>(PC</a:t>
+            </a:r>
+            <a:r>
+              <a:rPr kumimoji="1" lang="ja-JP" altLang="en-US" dirty="0"/>
+              <a:t>のネット接続等</a:t>
+            </a:r>
+            <a:r>
+              <a:rPr kumimoji="1" lang="en-US" altLang="ja-JP" dirty="0"/>
+              <a:t>)</a:t>
+            </a:r>
+          </a:p>
+          <a:p>
+            <a:pPr marL="755550" lvl="1" indent="-457200">
+              <a:buFont typeface="+mj-ea"/>
+              <a:buAutoNum type="circleNumDbPlain"/>
+            </a:pPr>
+            <a:endParaRPr kumimoji="1" lang="en-US" altLang="ja-JP" dirty="0"/>
+          </a:p>
+          <a:p>
+            <a:pPr marL="457200" indent="-457200">
+              <a:buFont typeface="+mj-ea"/>
+              <a:buAutoNum type="circleNumDbPlain"/>
+            </a:pPr>
+            <a:r>
+              <a:rPr kumimoji="1" lang="ja-JP" altLang="en-US" dirty="0"/>
+              <a:t>オンラインアンケート </a:t>
+            </a:r>
+            <a:r>
+              <a:rPr kumimoji="1" lang="en-US" altLang="ja-JP" dirty="0"/>
+              <a:t>(</a:t>
+            </a:r>
+            <a:r>
+              <a:rPr kumimoji="1" lang="ja-JP" altLang="en-US" dirty="0"/>
+              <a:t>プログラミング経験等</a:t>
+            </a:r>
+            <a:r>
+              <a:rPr kumimoji="1" lang="en-US" altLang="ja-JP" dirty="0"/>
+              <a:t>)</a:t>
+            </a:r>
+          </a:p>
+          <a:p>
+            <a:pPr marL="755550" lvl="1" indent="-457200">
+              <a:buFont typeface="+mj-ea"/>
+              <a:buAutoNum type="circleNumDbPlain"/>
+            </a:pPr>
+            <a:endParaRPr kumimoji="1" lang="en-US" altLang="ja-JP" dirty="0"/>
+          </a:p>
+          <a:p>
+            <a:pPr marL="457200" indent="-457200">
+              <a:buFont typeface="+mj-ea"/>
+              <a:buAutoNum type="circleNumDbPlain"/>
+            </a:pPr>
+            <a:r>
+              <a:rPr kumimoji="1" lang="ja-JP" altLang="en-US" dirty="0"/>
+              <a:t>講義形式で，マイコンや</a:t>
+            </a:r>
+            <a:r>
+              <a:rPr kumimoji="1" lang="en-US" altLang="ja-JP" dirty="0"/>
+              <a:t>IoT</a:t>
+            </a:r>
+            <a:r>
+              <a:rPr kumimoji="1" lang="ja-JP" altLang="en-US" dirty="0"/>
+              <a:t>端末についての解説</a:t>
+            </a:r>
+            <a:endParaRPr kumimoji="1" lang="en-US" altLang="ja-JP" dirty="0"/>
+          </a:p>
+          <a:p>
+            <a:pPr marL="755550" lvl="1" indent="-457200">
+              <a:buFont typeface="+mj-ea"/>
+              <a:buAutoNum type="circleNumDbPlain"/>
+            </a:pPr>
+            <a:endParaRPr kumimoji="1" lang="en-US" altLang="ja-JP" dirty="0"/>
+          </a:p>
+          <a:p>
+            <a:pPr marL="457200" indent="-457200">
+              <a:buFont typeface="+mj-ea"/>
+              <a:buAutoNum type="circleNumDbPlain"/>
+            </a:pPr>
+            <a:r>
+              <a:rPr lang="en-US" altLang="ja-JP" dirty="0"/>
+              <a:t>Arduino(</a:t>
+            </a:r>
+            <a:r>
+              <a:rPr lang="ja-JP" altLang="en-US" dirty="0"/>
+              <a:t>マイコンの一種</a:t>
+            </a:r>
+            <a:r>
+              <a:rPr lang="en-US" altLang="ja-JP" dirty="0"/>
+              <a:t>)</a:t>
+            </a:r>
+            <a:r>
+              <a:rPr lang="ja-JP" altLang="en-US" dirty="0"/>
+              <a:t>のソフトウェアを開発するために必要な各種ソフトウェアのセットアップ</a:t>
             </a:r>
             <a:endParaRPr lang="en-US" altLang="ja-JP" dirty="0"/>
           </a:p>
           <a:p>
+            <a:pPr marL="755550" lvl="1" indent="-457200">
+              <a:buFont typeface="+mj-ea"/>
+              <a:buAutoNum type="circleNumDbPlain"/>
+            </a:pPr>
             <a:endParaRPr lang="en-US" altLang="ja-JP" dirty="0"/>
           </a:p>
           <a:p>
+            <a:pPr marL="457200" indent="-457200">
+              <a:buFont typeface="+mj-ea"/>
+              <a:buAutoNum type="circleNumDbPlain"/>
+            </a:pPr>
+            <a:r>
+              <a:rPr kumimoji="1" lang="en-US" altLang="ja-JP" dirty="0"/>
+              <a:t>Arduino</a:t>
+            </a:r>
+            <a:r>
+              <a:rPr kumimoji="1" lang="ja-JP" altLang="en-US" dirty="0"/>
+              <a:t>用ソフトウェアを自動で生成する開発環境の使い方説明</a:t>
+            </a:r>
+            <a:endParaRPr kumimoji="1" lang="en-US" altLang="ja-JP" dirty="0"/>
+          </a:p>
+          <a:p>
+            <a:pPr marL="755550" lvl="1" indent="-457200">
+              <a:buFont typeface="+mj-ea"/>
+              <a:buAutoNum type="circleNumDbPlain"/>
+            </a:pPr>
+            <a:endParaRPr kumimoji="1" lang="en-US" altLang="ja-JP" dirty="0"/>
+          </a:p>
+          <a:p>
+            <a:pPr marL="457200" indent="-457200">
+              <a:buFont typeface="+mj-ea"/>
+              <a:buAutoNum type="circleNumDbPlain"/>
+            </a:pPr>
+            <a:r>
+              <a:rPr kumimoji="1" lang="en-US" altLang="ja-JP" dirty="0"/>
+              <a:t>IoT</a:t>
+            </a:r>
+            <a:r>
+              <a:rPr kumimoji="1" lang="ja-JP" altLang="en-US" dirty="0"/>
+              <a:t>用センサ端末を開発し，動作させる </a:t>
+            </a:r>
+            <a:r>
+              <a:rPr kumimoji="1" lang="en-US" altLang="ja-JP" dirty="0"/>
+              <a:t>(</a:t>
+            </a:r>
+            <a:r>
+              <a:rPr kumimoji="1" lang="ja-JP" altLang="en-US" dirty="0"/>
+              <a:t>複数種類のセンサで実施</a:t>
+            </a:r>
+            <a:r>
+              <a:rPr kumimoji="1" lang="en-US" altLang="ja-JP" dirty="0"/>
+              <a:t>)</a:t>
+            </a:r>
+          </a:p>
+          <a:p>
+            <a:pPr lvl="1"/>
+            <a:r>
+              <a:rPr lang="ja-JP" altLang="en-US"/>
+              <a:t>センサの選択</a:t>
+            </a:r>
             <a:r>
               <a:rPr lang="ja-JP" altLang="en-US" dirty="0"/>
-              <a:t>センサ端末のソフトウェア作成，インストール，動作確認に要した時間</a:t>
+              <a:t>と接続</a:t>
             </a:r>
             <a:endParaRPr lang="en-US" altLang="ja-JP" dirty="0"/>
           </a:p>
@@ -4016,7 +4280,23 @@
             <a:pPr lvl="1"/>
             <a:r>
               <a:rPr lang="ja-JP" altLang="en-US" dirty="0"/>
-              <a:t>繰り返した場合の時間の変化</a:t>
+              <a:t>ソフト作成</a:t>
+            </a:r>
+            <a:r>
+              <a:rPr lang="en-US" altLang="ja-JP" dirty="0"/>
+              <a:t>(</a:t>
+            </a:r>
+            <a:r>
+              <a:rPr lang="ja-JP" altLang="en-US" dirty="0"/>
+              <a:t>自動生成</a:t>
+            </a:r>
+            <a:r>
+              <a:rPr lang="en-US" altLang="ja-JP" dirty="0"/>
+              <a:t>)</a:t>
+            </a:r>
+            <a:r>
+              <a:rPr lang="ja-JP" altLang="en-US" dirty="0"/>
+              <a:t>，インストール，動作確認</a:t>
             </a:r>
             <a:endParaRPr lang="en-US" altLang="ja-JP" dirty="0"/>
           </a:p>
@@ -4024,35 +4304,27 @@
             <a:pPr lvl="1"/>
             <a:r>
               <a:rPr lang="ja-JP" altLang="en-US" dirty="0"/>
-              <a:t>センサや</a:t>
+              <a:t>オンラインアンケート回答</a:t>
             </a:r>
             <a:r>
               <a:rPr lang="en-US" altLang="ja-JP" dirty="0"/>
-              <a:t>I/F</a:t>
+              <a:t>(</a:t>
             </a:r>
             <a:r>
               <a:rPr lang="ja-JP" altLang="en-US" dirty="0"/>
-              <a:t>の違いでの所要時間の違い</a:t>
-            </a:r>
-            <a:endParaRPr lang="en-US" altLang="ja-JP" dirty="0"/>
-          </a:p>
-          <a:p>
-            <a:pPr lvl="1"/>
-            <a:endParaRPr lang="en-US" altLang="ja-JP" dirty="0"/>
-          </a:p>
-          <a:p>
-            <a:r>
-              <a:rPr lang="ja-JP" altLang="en-US" dirty="0"/>
-              <a:t>最後にアンケートを実施</a:t>
-            </a:r>
-            <a:endParaRPr lang="en-US" altLang="ja-JP" dirty="0"/>
+              <a:t>所要時間等入力</a:t>
+            </a:r>
+            <a:r>
+              <a:rPr lang="en-US" altLang="ja-JP" dirty="0"/>
+              <a:t>)</a:t>
+            </a:r>
           </a:p>
         </p:txBody>
       </p:sp>
     </p:spTree>
     <p:extLst>
       <p:ext uri="{BB962C8B-B14F-4D97-AF65-F5344CB8AC3E}">
-        <p14:creationId xmlns:p14="http://schemas.microsoft.com/office/powerpoint/2010/main" val="3265879843"/>
+        <p14:creationId xmlns:p14="http://schemas.microsoft.com/office/powerpoint/2010/main" val="3500556462"/>
       </p:ext>
     </p:extLst>
   </p:cSld>
@@ -4862,8 +5134,8 @@
         </p:nvSpPr>
         <p:spPr>
           <a:xfrm>
-            <a:off x="3394253" y="3004469"/>
-            <a:ext cx="3211335" cy="365760"/>
+            <a:off x="3140582" y="3006165"/>
+            <a:ext cx="1732286" cy="365760"/>
           </a:xfrm>
           <a:prstGeom prst="wedgeRectCallout">
             <a:avLst>
@@ -4909,7 +5181,7 @@
                   <a:schemeClr val="tx1"/>
                 </a:solidFill>
               </a:rPr>
-              <a:t>説明用パワーポイント資料</a:t>
+              <a:t>説明用資料</a:t>
             </a:r>
           </a:p>
         </p:txBody>
@@ -5010,10 +5282,224 @@
           <a:chExt cx="0" cy="0"/>
         </a:xfrm>
       </p:grpSpPr>
+      <p:sp>
+        <p:nvSpPr>
+          <p:cNvPr id="2" name="タイトル 1">
+            <a:extLst>
+              <a:ext uri="{FF2B5EF4-FFF2-40B4-BE49-F238E27FC236}">
+                <a16:creationId xmlns:a16="http://schemas.microsoft.com/office/drawing/2014/main" id="{DCEEC604-0447-B7DF-5E6E-96A339832D5E}"/>
+              </a:ext>
+            </a:extLst>
+          </p:cNvPr>
+          <p:cNvSpPr>
+            <a:spLocks noGrp="1"/>
+          </p:cNvSpPr>
+          <p:nvPr>
+            <p:ph type="ctrTitle"/>
+          </p:nvPr>
+        </p:nvSpPr>
+        <p:spPr/>
+        <p:txBody>
+          <a:bodyPr/>
+          <a:lstStyle/>
+          <a:p>
+            <a:r>
+              <a:rPr kumimoji="1" lang="ja-JP" altLang="en-US" dirty="0"/>
+              <a:t>最初のアンケート</a:t>
+            </a:r>
+          </a:p>
+        </p:txBody>
+      </p:sp>
+      <p:sp>
+        <p:nvSpPr>
+          <p:cNvPr id="3" name="字幕 2">
+            <a:extLst>
+              <a:ext uri="{FF2B5EF4-FFF2-40B4-BE49-F238E27FC236}">
+                <a16:creationId xmlns:a16="http://schemas.microsoft.com/office/drawing/2014/main" id="{29C35845-7973-C374-AC0D-0972A95C8F47}"/>
+              </a:ext>
+            </a:extLst>
+          </p:cNvPr>
+          <p:cNvSpPr>
+            <a:spLocks noGrp="1"/>
+          </p:cNvSpPr>
+          <p:nvPr>
+            <p:ph type="subTitle" idx="1"/>
+          </p:nvPr>
+        </p:nvSpPr>
+        <p:spPr/>
+        <p:txBody>
+          <a:bodyPr/>
+          <a:lstStyle/>
+          <a:p>
+            <a:r>
+              <a:rPr kumimoji="1" lang="ja-JP" altLang="en-US" dirty="0"/>
+              <a:t>プログラミング経験等</a:t>
+            </a:r>
+          </a:p>
+        </p:txBody>
+      </p:sp>
     </p:spTree>
     <p:extLst>
       <p:ext uri="{BB962C8B-B14F-4D97-AF65-F5344CB8AC3E}">
-        <p14:creationId xmlns:p14="http://schemas.microsoft.com/office/powerpoint/2010/main" val="1993734482"/>
+        <p14:creationId xmlns:p14="http://schemas.microsoft.com/office/powerpoint/2010/main" val="1799549033"/>
+      </p:ext>
+    </p:extLst>
+  </p:cSld>
+  <p:clrMapOvr>
+    <a:masterClrMapping/>
+  </p:clrMapOvr>
+</p:sld>
+</file>
+
+<file path=ppt/slides/slide9.xml><?xml version="1.0" encoding="utf-8"?>
+<p:sld xmlns:a="http://schemas.openxmlformats.org/drawingml/2006/main" xmlns:r="http://schemas.openxmlformats.org/officeDocument/2006/relationships" xmlns:p="http://schemas.openxmlformats.org/presentationml/2006/main">
+  <p:cSld>
+    <p:spTree>
+      <p:nvGrpSpPr>
+        <p:cNvPr id="1" name=""/>
+        <p:cNvGrpSpPr/>
+        <p:nvPr/>
+      </p:nvGrpSpPr>
+      <p:grpSpPr>
+        <a:xfrm>
+          <a:off x="0" y="0"/>
+          <a:ext cx="0" cy="0"/>
+          <a:chOff x="0" y="0"/>
+          <a:chExt cx="0" cy="0"/>
+        </a:xfrm>
+      </p:grpSpPr>
+      <p:sp>
+        <p:nvSpPr>
+          <p:cNvPr id="2" name="タイトル 1">
+            <a:extLst>
+              <a:ext uri="{FF2B5EF4-FFF2-40B4-BE49-F238E27FC236}">
+                <a16:creationId xmlns:a16="http://schemas.microsoft.com/office/drawing/2014/main" id="{82DE4D54-C2E6-A3B4-61E1-79E2E8DFE896}"/>
+              </a:ext>
+            </a:extLst>
+          </p:cNvPr>
+          <p:cNvSpPr>
+            <a:spLocks noGrp="1"/>
+          </p:cNvSpPr>
+          <p:nvPr>
+            <p:ph type="title"/>
+          </p:nvPr>
+        </p:nvSpPr>
+        <p:spPr/>
+        <p:txBody>
+          <a:bodyPr>
+            <a:normAutofit/>
+          </a:bodyPr>
+          <a:lstStyle/>
+          <a:p>
+            <a:pPr algn="l"/>
+            <a:r>
+              <a:rPr kumimoji="1" lang="en-US" altLang="ja-JP" dirty="0"/>
+              <a:t>https://forms.office.com/r/38xAb46wj8</a:t>
+            </a:r>
+            <a:endParaRPr kumimoji="1" lang="ja-JP" altLang="en-US" dirty="0"/>
+          </a:p>
+        </p:txBody>
+      </p:sp>
+      <p:sp>
+        <p:nvSpPr>
+          <p:cNvPr id="6" name="コンテンツ プレースホルダー 5">
+            <a:extLst>
+              <a:ext uri="{FF2B5EF4-FFF2-40B4-BE49-F238E27FC236}">
+                <a16:creationId xmlns:a16="http://schemas.microsoft.com/office/drawing/2014/main" id="{64037208-973A-450E-9C9F-69C341CF2C7C}"/>
+              </a:ext>
+            </a:extLst>
+          </p:cNvPr>
+          <p:cNvSpPr>
+            <a:spLocks noGrp="1"/>
+          </p:cNvSpPr>
+          <p:nvPr>
+            <p:ph idx="1"/>
+          </p:nvPr>
+        </p:nvSpPr>
+        <p:spPr>
+          <a:xfrm>
+            <a:off x="230400" y="950400"/>
+            <a:ext cx="3009757" cy="3787200"/>
+          </a:xfrm>
+        </p:spPr>
+        <p:txBody>
+          <a:bodyPr/>
+          <a:lstStyle/>
+          <a:p>
+            <a:r>
+              <a:rPr lang="ja-JP" altLang="en-US" dirty="0"/>
+              <a:t>入力項目</a:t>
+            </a:r>
+            <a:endParaRPr lang="en-US" altLang="ja-JP" dirty="0"/>
+          </a:p>
+          <a:p>
+            <a:pPr lvl="1"/>
+            <a:r>
+              <a:rPr lang="ja-JP" altLang="en-US" dirty="0"/>
+              <a:t>名前</a:t>
+            </a:r>
+            <a:endParaRPr lang="en-US" altLang="ja-JP" dirty="0"/>
+          </a:p>
+          <a:p>
+            <a:pPr lvl="1"/>
+            <a:r>
+              <a:rPr lang="ja-JP" altLang="en-US" dirty="0"/>
+              <a:t>メールアドレス</a:t>
+            </a:r>
+            <a:endParaRPr lang="en-US" altLang="ja-JP" dirty="0"/>
+          </a:p>
+          <a:p>
+            <a:pPr lvl="1"/>
+            <a:r>
+              <a:rPr lang="ja-JP" altLang="en-US" dirty="0"/>
+              <a:t>学年</a:t>
+            </a:r>
+            <a:endParaRPr lang="en-US" altLang="ja-JP" dirty="0"/>
+          </a:p>
+          <a:p>
+            <a:pPr lvl="1"/>
+            <a:r>
+              <a:rPr lang="ja-JP" altLang="en-US" dirty="0"/>
+              <a:t>プログラミング経験</a:t>
+            </a:r>
+            <a:endParaRPr lang="en-US" altLang="ja-JP" dirty="0"/>
+          </a:p>
+        </p:txBody>
+      </p:sp>
+      <p:pic>
+        <p:nvPicPr>
+          <p:cNvPr id="5" name="図 4">
+            <a:extLst>
+              <a:ext uri="{FF2B5EF4-FFF2-40B4-BE49-F238E27FC236}">
+                <a16:creationId xmlns:a16="http://schemas.microsoft.com/office/drawing/2014/main" id="{58A7A9F8-A98B-A1BA-2618-FC8552EA62D7}"/>
+              </a:ext>
+            </a:extLst>
+          </p:cNvPr>
+          <p:cNvPicPr>
+            <a:picLocks noChangeAspect="1"/>
+          </p:cNvPicPr>
+          <p:nvPr/>
+        </p:nvPicPr>
+        <p:blipFill>
+          <a:blip r:embed="rId2"/>
+          <a:stretch>
+            <a:fillRect/>
+          </a:stretch>
+        </p:blipFill>
+        <p:spPr>
+          <a:xfrm>
+            <a:off x="3060459" y="846319"/>
+            <a:ext cx="5778289" cy="3886019"/>
+          </a:xfrm>
+          <a:prstGeom prst="rect">
+            <a:avLst/>
+          </a:prstGeom>
+        </p:spPr>
+      </p:pic>
+    </p:spTree>
+    <p:extLst>
+      <p:ext uri="{BB962C8B-B14F-4D97-AF65-F5344CB8AC3E}">
+        <p14:creationId xmlns:p14="http://schemas.microsoft.com/office/powerpoint/2010/main" val="4212247442"/>
       </p:ext>
     </p:extLst>
   </p:cSld>

--- a/Doc/Presentation/講義形式/①準備.pptx
+++ b/Doc/Presentation/講義形式/①準備.pptx
@@ -23,7 +23,7 @@
     <p:sldId id="401" r:id="rId11"/>
   </p:sldIdLst>
   <p:sldSz cx="9144000" cy="5143500" type="screen16x9"/>
-  <p:notesSz cx="6742113" cy="9872663"/>
+  <p:notesSz cx="7104063" cy="10234613"/>
   <p:defaultTextStyle>
     <a:defPPr>
       <a:defRPr lang="en-US"/>
@@ -159,7 +159,7 @@
 <file path=ppt/revisionInfo.xml><?xml version="1.0" encoding="utf-8"?>
 <p1510:revInfo xmlns:a="http://schemas.openxmlformats.org/drawingml/2006/main" xmlns:r="http://schemas.openxmlformats.org/officeDocument/2006/relationships" xmlns:p1510="http://schemas.microsoft.com/office/powerpoint/2015/10/main">
   <p1510:revLst>
-    <p1510:client id="{9FB3F078-FED4-43B4-99B8-4CF7EE0A562F}" v="94" dt="2024-06-05T01:47:31.216"/>
+    <p1510:client id="{9FB3F078-FED4-43B4-99B8-4CF7EE0A562F}" v="108" dt="2024-06-07T01:46:53.529"/>
   </p1510:revLst>
 </p1510:revInfo>
 </file>
@@ -593,8 +593,8 @@
   </pc:docChgLst>
   <pc:docChgLst>
     <pc:chgData name="り ぶ" userId="e79b0678f96bfbc0" providerId="LiveId" clId="{9FB3F078-FED4-43B4-99B8-4CF7EE0A562F}"/>
-    <pc:docChg chg="undo custSel addSld delSld modSld sldOrd">
-      <pc:chgData name="り ぶ" userId="e79b0678f96bfbc0" providerId="LiveId" clId="{9FB3F078-FED4-43B4-99B8-4CF7EE0A562F}" dt="2024-06-05T01:47:31.210" v="1502"/>
+    <pc:docChg chg="undo custSel addSld delSld modSld sldOrd modNotesMaster modHandout">
+      <pc:chgData name="り ぶ" userId="e79b0678f96bfbc0" providerId="LiveId" clId="{9FB3F078-FED4-43B4-99B8-4CF7EE0A562F}" dt="2024-06-07T01:46:53.527" v="1695"/>
       <pc:docMkLst>
         <pc:docMk/>
       </pc:docMkLst>
@@ -614,7 +614,7 @@
         </pc:spChg>
       </pc:sldChg>
       <pc:sldChg chg="modSp mod">
-        <pc:chgData name="り ぶ" userId="e79b0678f96bfbc0" providerId="LiveId" clId="{9FB3F078-FED4-43B4-99B8-4CF7EE0A562F}" dt="2024-06-05T01:47:31.210" v="1502"/>
+        <pc:chgData name="り ぶ" userId="e79b0678f96bfbc0" providerId="LiveId" clId="{9FB3F078-FED4-43B4-99B8-4CF7EE0A562F}" dt="2024-06-07T01:17:51.529" v="1519" actId="20577"/>
         <pc:sldMkLst>
           <pc:docMk/>
           <pc:sldMk cId="3500556462" sldId="406"/>
@@ -628,7 +628,7 @@
           </ac:spMkLst>
         </pc:spChg>
         <pc:spChg chg="mod">
-          <ac:chgData name="り ぶ" userId="e79b0678f96bfbc0" providerId="LiveId" clId="{9FB3F078-FED4-43B4-99B8-4CF7EE0A562F}" dt="2024-06-05T01:47:31.210" v="1502"/>
+          <ac:chgData name="り ぶ" userId="e79b0678f96bfbc0" providerId="LiveId" clId="{9FB3F078-FED4-43B4-99B8-4CF7EE0A562F}" dt="2024-06-07T01:17:51.529" v="1519" actId="20577"/>
           <ac:spMkLst>
             <pc:docMk/>
             <pc:sldMk cId="3500556462" sldId="406"/>
@@ -714,13 +714,13 @@
         </pc:picChg>
       </pc:sldChg>
       <pc:sldChg chg="modSp new mod">
-        <pc:chgData name="り ぶ" userId="e79b0678f96bfbc0" providerId="LiveId" clId="{9FB3F078-FED4-43B4-99B8-4CF7EE0A562F}" dt="2024-06-05T01:40:48.906" v="686"/>
+        <pc:chgData name="り ぶ" userId="e79b0678f96bfbc0" providerId="LiveId" clId="{9FB3F078-FED4-43B4-99B8-4CF7EE0A562F}" dt="2024-06-07T01:46:53.527" v="1695"/>
         <pc:sldMkLst>
           <pc:docMk/>
           <pc:sldMk cId="1799549033" sldId="410"/>
         </pc:sldMkLst>
         <pc:spChg chg="mod">
-          <ac:chgData name="り ぶ" userId="e79b0678f96bfbc0" providerId="LiveId" clId="{9FB3F078-FED4-43B4-99B8-4CF7EE0A562F}" dt="2024-06-05T01:40:48.906" v="686"/>
+          <ac:chgData name="り ぶ" userId="e79b0678f96bfbc0" providerId="LiveId" clId="{9FB3F078-FED4-43B4-99B8-4CF7EE0A562F}" dt="2024-06-07T01:46:26.728" v="1586" actId="20577"/>
           <ac:spMkLst>
             <pc:docMk/>
             <pc:sldMk cId="1799549033" sldId="410"/>
@@ -728,7 +728,7 @@
           </ac:spMkLst>
         </pc:spChg>
         <pc:spChg chg="mod">
-          <ac:chgData name="り ぶ" userId="e79b0678f96bfbc0" providerId="LiveId" clId="{9FB3F078-FED4-43B4-99B8-4CF7EE0A562F}" dt="2024-06-05T01:40:45.842" v="674"/>
+          <ac:chgData name="り ぶ" userId="e79b0678f96bfbc0" providerId="LiveId" clId="{9FB3F078-FED4-43B4-99B8-4CF7EE0A562F}" dt="2024-06-07T01:46:53.527" v="1695"/>
           <ac:spMkLst>
             <pc:docMk/>
             <pc:sldMk cId="1799549033" sldId="410"/>
@@ -828,24 +828,24 @@
         </p:nvSpPr>
         <p:spPr>
           <a:xfrm>
-            <a:off x="3818971" y="0"/>
-            <a:ext cx="2921582" cy="495348"/>
+            <a:off x="4023992" y="0"/>
+            <a:ext cx="3078427" cy="513508"/>
           </a:xfrm>
           <a:prstGeom prst="rect">
             <a:avLst/>
           </a:prstGeom>
         </p:spPr>
         <p:txBody>
-          <a:bodyPr vert="horz" lIns="91440" tIns="45720" rIns="91440" bIns="45720" rtlCol="0"/>
+          <a:bodyPr vert="horz" lIns="95390" tIns="47695" rIns="95390" bIns="47695" rtlCol="0"/>
           <a:lstStyle>
             <a:lvl1pPr algn="r">
-              <a:defRPr sz="1200"/>
+              <a:defRPr sz="1300"/>
             </a:lvl1pPr>
           </a:lstStyle>
           <a:p>
             <a:fld id="{389ACFA8-1AB5-47AD-8712-789ED582E266}" type="datetimeFigureOut">
               <a:rPr kumimoji="1" lang="ja-JP" altLang="en-US" smtClean="0"/>
-              <a:t>2024/6/5</a:t>
+              <a:t>2024/6/7</a:t>
             </a:fld>
             <a:endParaRPr kumimoji="1" lang="ja-JP" altLang="en-US"/>
           </a:p>
@@ -869,18 +869,18 @@
         </p:nvSpPr>
         <p:spPr>
           <a:xfrm>
-            <a:off x="3818971" y="9377318"/>
-            <a:ext cx="2921582" cy="495347"/>
+            <a:off x="4023992" y="9721109"/>
+            <a:ext cx="3078427" cy="513507"/>
           </a:xfrm>
           <a:prstGeom prst="rect">
             <a:avLst/>
           </a:prstGeom>
         </p:spPr>
         <p:txBody>
-          <a:bodyPr vert="horz" lIns="91440" tIns="45720" rIns="91440" bIns="45720" rtlCol="0" anchor="b"/>
+          <a:bodyPr vert="horz" lIns="95390" tIns="47695" rIns="95390" bIns="47695" rtlCol="0" anchor="b"/>
           <a:lstStyle>
             <a:lvl1pPr algn="r">
-              <a:defRPr sz="1200"/>
+              <a:defRPr sz="1300"/>
             </a:lvl1pPr>
           </a:lstStyle>
           <a:p>
@@ -904,12 +904,12 @@
   <p:extLst>
     <p:ext uri="{56416CCD-93CA-4268-BC5B-53C4BB910035}">
       <p15:sldGuideLst xmlns:p15="http://schemas.microsoft.com/office/powerpoint/2012/main">
-        <p15:guide id="1" orient="horz" pos="3109" userDrawn="1">
+        <p15:guide id="1" orient="horz" pos="3223" userDrawn="1">
           <p15:clr>
             <a:srgbClr val="F26B43"/>
           </p15:clr>
         </p15:guide>
-        <p15:guide id="2" pos="2123" userDrawn="1">
+        <p15:guide id="2" pos="2236" userDrawn="1">
           <p15:clr>
             <a:srgbClr val="F26B43"/>
           </p15:clr>
@@ -954,18 +954,18 @@
         </p:nvSpPr>
         <p:spPr>
           <a:xfrm>
-            <a:off x="3818971" y="0"/>
-            <a:ext cx="2921582" cy="495348"/>
+            <a:off x="4023992" y="0"/>
+            <a:ext cx="3078427" cy="513508"/>
           </a:xfrm>
           <a:prstGeom prst="rect">
             <a:avLst/>
           </a:prstGeom>
         </p:spPr>
         <p:txBody>
-          <a:bodyPr vert="horz" lIns="91440" tIns="45720" rIns="91440" bIns="45720" rtlCol="0"/>
+          <a:bodyPr vert="horz" lIns="95390" tIns="47695" rIns="95390" bIns="47695" rtlCol="0"/>
           <a:lstStyle>
             <a:lvl1pPr algn="r">
-              <a:defRPr sz="1200">
+              <a:defRPr sz="1300">
                 <a:latin typeface="+mn-lt"/>
               </a:defRPr>
             </a:lvl1pPr>
@@ -974,7 +974,7 @@
             <a:fld id="{49E156C8-D1E6-4437-B817-0C57EC289493}" type="datetimeFigureOut">
               <a:rPr kumimoji="1" lang="ja-JP" altLang="en-US" smtClean="0"/>
               <a:pPr/>
-              <a:t>2024/6/5</a:t>
+              <a:t>2024/6/7</a:t>
             </a:fld>
             <a:endParaRPr kumimoji="1" lang="ja-JP" altLang="en-US"/>
           </a:p>
@@ -992,8 +992,8 @@
         </p:nvSpPr>
         <p:spPr>
           <a:xfrm>
-            <a:off x="409575" y="1233488"/>
-            <a:ext cx="5922963" cy="3332162"/>
+            <a:off x="481013" y="1277938"/>
+            <a:ext cx="6142037" cy="3454400"/>
           </a:xfrm>
           <a:prstGeom prst="rect">
             <a:avLst/>
@@ -1006,7 +1006,7 @@
           </a:ln>
         </p:spPr>
         <p:txBody>
-          <a:bodyPr vert="horz" lIns="91440" tIns="45720" rIns="91440" bIns="45720" rtlCol="0" anchor="ctr"/>
+          <a:bodyPr vert="horz" lIns="95390" tIns="47695" rIns="95390" bIns="47695" rtlCol="0" anchor="ctr"/>
           <a:lstStyle/>
           <a:p>
             <a:endParaRPr lang="ja-JP" altLang="en-US"/>
@@ -1025,15 +1025,15 @@
         </p:nvSpPr>
         <p:spPr>
           <a:xfrm>
-            <a:off x="674212" y="4751219"/>
-            <a:ext cx="5393690" cy="3887361"/>
+            <a:off x="710408" y="4925409"/>
+            <a:ext cx="5683250" cy="4029879"/>
           </a:xfrm>
           <a:prstGeom prst="rect">
             <a:avLst/>
           </a:prstGeom>
         </p:spPr>
         <p:txBody>
-          <a:bodyPr vert="horz" lIns="91440" tIns="45720" rIns="91440" bIns="45720" rtlCol="0"/>
+          <a:bodyPr vert="horz" lIns="95390" tIns="47695" rIns="95390" bIns="47695" rtlCol="0"/>
           <a:lstStyle/>
           <a:p>
             <a:pPr lvl="0"/>
@@ -1088,15 +1088,15 @@
         </p:nvSpPr>
         <p:spPr>
           <a:xfrm>
-            <a:off x="3818971" y="9377318"/>
-            <a:ext cx="2921582" cy="495347"/>
+            <a:off x="4023992" y="9721109"/>
+            <a:ext cx="3078427" cy="513507"/>
           </a:xfrm>
           <a:prstGeom prst="rect">
             <a:avLst/>
           </a:prstGeom>
         </p:spPr>
         <p:txBody>
-          <a:bodyPr vert="horz" lIns="91440" tIns="45720" rIns="91440" bIns="45720" rtlCol="0" anchor="b"/>
+          <a:bodyPr vert="horz" lIns="95390" tIns="47695" rIns="95390" bIns="47695" rtlCol="0" anchor="b"/>
           <a:lstStyle>
             <a:lvl1pPr algn="r">
               <a:defRPr sz="1000">
@@ -1218,12 +1218,12 @@
   <p:extLst>
     <p:ext uri="{620B2872-D7B9-4A21-9093-7833F8D536E1}">
       <p15:sldGuideLst xmlns:p15="http://schemas.microsoft.com/office/powerpoint/2012/main">
-        <p15:guide id="1" orient="horz" pos="3109" userDrawn="1">
+        <p15:guide id="1" orient="horz" pos="3223" userDrawn="1">
           <p15:clr>
             <a:srgbClr val="F26B43"/>
           </p15:clr>
         </p15:guide>
-        <p15:guide id="2" pos="2123" userDrawn="1">
+        <p15:guide id="2" pos="2236" userDrawn="1">
           <p15:clr>
             <a:srgbClr val="F26B43"/>
           </p15:clr>
@@ -4138,20 +4138,17 @@
             </a:pPr>
             <a:r>
               <a:rPr kumimoji="1" lang="ja-JP" altLang="en-US" dirty="0"/>
-              <a:t>オンラインアンケート </a:t>
+              <a:t>講義形式で，マイコンや</a:t>
             </a:r>
             <a:r>
               <a:rPr kumimoji="1" lang="en-US" altLang="ja-JP" dirty="0"/>
-              <a:t>(</a:t>
+              <a:t>IoT</a:t>
             </a:r>
             <a:r>
               <a:rPr kumimoji="1" lang="ja-JP" altLang="en-US" dirty="0"/>
-              <a:t>プログラミング経験等</a:t>
-            </a:r>
-            <a:r>
-              <a:rPr kumimoji="1" lang="en-US" altLang="ja-JP" dirty="0"/>
-              <a:t>)</a:t>
-            </a:r>
+              <a:t>端末についての解説</a:t>
+            </a:r>
+            <a:endParaRPr kumimoji="1" lang="en-US" altLang="ja-JP" dirty="0"/>
           </a:p>
           <a:p>
             <a:pPr marL="755550" lvl="1" indent="-457200">
@@ -4166,16 +4163,42 @@
               <a:buAutoNum type="circleNumDbPlain"/>
             </a:pPr>
             <a:r>
+              <a:rPr lang="en-US" altLang="ja-JP" dirty="0"/>
+              <a:t>Arduino(</a:t>
+            </a:r>
+            <a:r>
+              <a:rPr lang="ja-JP" altLang="en-US" dirty="0"/>
+              <a:t>マイコンの一種</a:t>
+            </a:r>
+            <a:r>
+              <a:rPr lang="en-US" altLang="ja-JP" dirty="0"/>
+              <a:t>)</a:t>
+            </a:r>
+            <a:r>
+              <a:rPr lang="ja-JP" altLang="en-US" dirty="0"/>
+              <a:t>のソフトウェアを開発するために必要な各種ソフトウェアのセットアップ</a:t>
+            </a:r>
+            <a:endParaRPr lang="en-US" altLang="ja-JP" dirty="0"/>
+          </a:p>
+          <a:p>
+            <a:pPr marL="755550" lvl="1" indent="-457200">
+              <a:buFont typeface="+mj-ea"/>
+              <a:buAutoNum type="circleNumDbPlain"/>
+            </a:pPr>
+            <a:endParaRPr lang="en-US" altLang="ja-JP" dirty="0"/>
+          </a:p>
+          <a:p>
+            <a:pPr marL="457200" indent="-457200">
+              <a:buFont typeface="+mj-ea"/>
+              <a:buAutoNum type="circleNumDbPlain"/>
+            </a:pPr>
+            <a:r>
+              <a:rPr kumimoji="1" lang="en-US" altLang="ja-JP" dirty="0"/>
+              <a:t>Arduino</a:t>
+            </a:r>
+            <a:r>
               <a:rPr kumimoji="1" lang="ja-JP" altLang="en-US" dirty="0"/>
-              <a:t>講義形式で，マイコンや</a:t>
-            </a:r>
-            <a:r>
-              <a:rPr kumimoji="1" lang="en-US" altLang="ja-JP" dirty="0"/>
-              <a:t>IoT</a:t>
-            </a:r>
-            <a:r>
-              <a:rPr kumimoji="1" lang="ja-JP" altLang="en-US" dirty="0"/>
-              <a:t>端末についての解説</a:t>
+              <a:t>用ソフトウェアを自動で生成する開発環境の使い方説明</a:t>
             </a:r>
             <a:endParaRPr kumimoji="1" lang="en-US" altLang="ja-JP" dirty="0"/>
           </a:p>
@@ -4192,12 +4215,47 @@
               <a:buAutoNum type="circleNumDbPlain"/>
             </a:pPr>
             <a:r>
+              <a:rPr kumimoji="1" lang="en-US" altLang="ja-JP" dirty="0"/>
+              <a:t>IoT</a:t>
+            </a:r>
+            <a:r>
+              <a:rPr kumimoji="1" lang="ja-JP" altLang="en-US" dirty="0"/>
+              <a:t>用センサ端末を開発し，動作させる </a:t>
+            </a:r>
+            <a:r>
+              <a:rPr kumimoji="1" lang="en-US" altLang="ja-JP" dirty="0"/>
+              <a:t>(</a:t>
+            </a:r>
+            <a:r>
+              <a:rPr kumimoji="1" lang="ja-JP" altLang="en-US" dirty="0"/>
+              <a:t>複数種類のセンサで実施</a:t>
+            </a:r>
+            <a:r>
+              <a:rPr kumimoji="1" lang="en-US" altLang="ja-JP" dirty="0"/>
+              <a:t>)</a:t>
+            </a:r>
+          </a:p>
+          <a:p>
+            <a:pPr lvl="1"/>
+            <a:r>
+              <a:rPr lang="ja-JP" altLang="en-US" dirty="0"/>
+              <a:t>センサの選択と接続</a:t>
+            </a:r>
+            <a:endParaRPr lang="en-US" altLang="ja-JP" dirty="0"/>
+          </a:p>
+          <a:p>
+            <a:pPr lvl="1"/>
+            <a:r>
+              <a:rPr lang="ja-JP" altLang="en-US" dirty="0"/>
+              <a:t>ソフト作成</a:t>
+            </a:r>
+            <a:r>
               <a:rPr lang="en-US" altLang="ja-JP" dirty="0"/>
-              <a:t>Arduino(</a:t>
+              <a:t>(</a:t>
             </a:r>
             <a:r>
               <a:rPr lang="ja-JP" altLang="en-US" dirty="0"/>
-              <a:t>マイコンの一種</a:t>
+              <a:t>自動生成</a:t>
             </a:r>
             <a:r>
               <a:rPr lang="en-US" altLang="ja-JP" dirty="0"/>
@@ -4205,15 +4263,31 @@
             </a:r>
             <a:r>
               <a:rPr lang="ja-JP" altLang="en-US" dirty="0"/>
-              <a:t>のソフトウェアを開発するために必要な各種ソフトウェアのセットアップ</a:t>
+              <a:t>，インストール，動作確認</a:t>
             </a:r>
             <a:endParaRPr lang="en-US" altLang="ja-JP" dirty="0"/>
           </a:p>
           <a:p>
-            <a:pPr marL="755550" lvl="1" indent="-457200">
-              <a:buFont typeface="+mj-ea"/>
-              <a:buAutoNum type="circleNumDbPlain"/>
-            </a:pPr>
+            <a:pPr lvl="1"/>
+            <a:r>
+              <a:rPr lang="ja-JP" altLang="en-US" dirty="0"/>
+              <a:t>オンラインアンケート回答</a:t>
+            </a:r>
+            <a:r>
+              <a:rPr lang="en-US" altLang="ja-JP" dirty="0"/>
+              <a:t>(</a:t>
+            </a:r>
+            <a:r>
+              <a:rPr lang="ja-JP" altLang="en-US" dirty="0"/>
+              <a:t>所要時間等入力</a:t>
+            </a:r>
+            <a:r>
+              <a:rPr lang="en-US" altLang="ja-JP" dirty="0"/>
+              <a:t>)</a:t>
+            </a:r>
+          </a:p>
+          <a:p>
+            <a:pPr lvl="1"/>
             <a:endParaRPr lang="en-US" altLang="ja-JP" dirty="0"/>
           </a:p>
           <a:p>
@@ -4222,12 +4296,8 @@
               <a:buAutoNum type="circleNumDbPlain"/>
             </a:pPr>
             <a:r>
-              <a:rPr kumimoji="1" lang="en-US" altLang="ja-JP" dirty="0"/>
-              <a:t>Arduino</a:t>
-            </a:r>
-            <a:r>
               <a:rPr kumimoji="1" lang="ja-JP" altLang="en-US" dirty="0"/>
-              <a:t>用ソフトウェアを自動で生成する開発環境の使い方説明</a:t>
+              <a:t>オンラインアンケート</a:t>
             </a:r>
             <a:endParaRPr kumimoji="1" lang="en-US" altLang="ja-JP" dirty="0"/>
           </a:p>
@@ -4237,87 +4307,6 @@
               <a:buAutoNum type="circleNumDbPlain"/>
             </a:pPr>
             <a:endParaRPr kumimoji="1" lang="en-US" altLang="ja-JP" dirty="0"/>
-          </a:p>
-          <a:p>
-            <a:pPr marL="457200" indent="-457200">
-              <a:buFont typeface="+mj-ea"/>
-              <a:buAutoNum type="circleNumDbPlain"/>
-            </a:pPr>
-            <a:r>
-              <a:rPr kumimoji="1" lang="en-US" altLang="ja-JP" dirty="0"/>
-              <a:t>IoT</a:t>
-            </a:r>
-            <a:r>
-              <a:rPr kumimoji="1" lang="ja-JP" altLang="en-US" dirty="0"/>
-              <a:t>用センサ端末を開発し，動作させる </a:t>
-            </a:r>
-            <a:r>
-              <a:rPr kumimoji="1" lang="en-US" altLang="ja-JP" dirty="0"/>
-              <a:t>(</a:t>
-            </a:r>
-            <a:r>
-              <a:rPr kumimoji="1" lang="ja-JP" altLang="en-US" dirty="0"/>
-              <a:t>複数種類のセンサで実施</a:t>
-            </a:r>
-            <a:r>
-              <a:rPr kumimoji="1" lang="en-US" altLang="ja-JP" dirty="0"/>
-              <a:t>)</a:t>
-            </a:r>
-          </a:p>
-          <a:p>
-            <a:pPr lvl="1"/>
-            <a:r>
-              <a:rPr lang="ja-JP" altLang="en-US"/>
-              <a:t>センサの選択</a:t>
-            </a:r>
-            <a:r>
-              <a:rPr lang="ja-JP" altLang="en-US" dirty="0"/>
-              <a:t>と接続</a:t>
-            </a:r>
-            <a:endParaRPr lang="en-US" altLang="ja-JP" dirty="0"/>
-          </a:p>
-          <a:p>
-            <a:pPr lvl="1"/>
-            <a:r>
-              <a:rPr lang="ja-JP" altLang="en-US" dirty="0"/>
-              <a:t>ソフト作成</a:t>
-            </a:r>
-            <a:r>
-              <a:rPr lang="en-US" altLang="ja-JP" dirty="0"/>
-              <a:t>(</a:t>
-            </a:r>
-            <a:r>
-              <a:rPr lang="ja-JP" altLang="en-US" dirty="0"/>
-              <a:t>自動生成</a:t>
-            </a:r>
-            <a:r>
-              <a:rPr lang="en-US" altLang="ja-JP" dirty="0"/>
-              <a:t>)</a:t>
-            </a:r>
-            <a:r>
-              <a:rPr lang="ja-JP" altLang="en-US" dirty="0"/>
-              <a:t>，インストール，動作確認</a:t>
-            </a:r>
-            <a:endParaRPr lang="en-US" altLang="ja-JP" dirty="0"/>
-          </a:p>
-          <a:p>
-            <a:pPr lvl="1"/>
-            <a:r>
-              <a:rPr lang="ja-JP" altLang="en-US" dirty="0"/>
-              <a:t>オンラインアンケート回答</a:t>
-            </a:r>
-            <a:r>
-              <a:rPr lang="en-US" altLang="ja-JP" dirty="0"/>
-              <a:t>(</a:t>
-            </a:r>
-            <a:r>
-              <a:rPr lang="ja-JP" altLang="en-US" dirty="0"/>
-              <a:t>所要時間等入力</a:t>
-            </a:r>
-            <a:r>
-              <a:rPr lang="en-US" altLang="ja-JP" dirty="0"/>
-              <a:t>)</a:t>
-            </a:r>
           </a:p>
         </p:txBody>
       </p:sp>
@@ -5305,7 +5294,7 @@
           <a:p>
             <a:r>
               <a:rPr kumimoji="1" lang="ja-JP" altLang="en-US" dirty="0"/>
-              <a:t>最初のアンケート</a:t>
+              <a:t>最後に入力して頂くアンケート</a:t>
             </a:r>
           </a:p>
         </p:txBody>
@@ -5333,8 +5322,24 @@
           <a:p>
             <a:r>
               <a:rPr kumimoji="1" lang="ja-JP" altLang="en-US" dirty="0"/>
-              <a:t>プログラミング経験等</a:t>
-            </a:r>
+              <a:t>プログラミング経験</a:t>
+            </a:r>
+            <a:endParaRPr kumimoji="1" lang="en-US" altLang="ja-JP" dirty="0"/>
+          </a:p>
+          <a:p>
+            <a:r>
+              <a:rPr kumimoji="1" lang="ja-JP" altLang="en-US" dirty="0"/>
+              <a:t>今回の作業</a:t>
+            </a:r>
+            <a:r>
+              <a:rPr kumimoji="1" lang="en-US" altLang="ja-JP" dirty="0"/>
+              <a:t>/</a:t>
+            </a:r>
+            <a:r>
+              <a:rPr kumimoji="1" lang="ja-JP" altLang="en-US"/>
+              <a:t>実験の難しかった点など</a:t>
+            </a:r>
+            <a:endParaRPr kumimoji="1" lang="ja-JP" altLang="en-US" dirty="0"/>
           </a:p>
         </p:txBody>
       </p:sp>
